--- a/Scrum-checklist_zh_cn.pptx
+++ b/Scrum-checklist_zh_cn.pptx
@@ -149,6 +149,22 @@
       </a:defRPr>
     </a:lvl9pPr>
   </p:defaultTextStyle>
+  <p:extLst>
+    <p:ext uri="{EFAFB233-063F-42B5-8137-9DF3F51BA10A}">
+      <p15:sldGuideLst xmlns:p15="http://schemas.microsoft.com/office/powerpoint/2012/main">
+        <p15:guide id="1" orient="horz" pos="2160">
+          <p15:clr>
+            <a:srgbClr val="A4A3A4"/>
+          </p15:clr>
+        </p15:guide>
+        <p15:guide id="2" pos="3120">
+          <p15:clr>
+            <a:srgbClr val="A4A3A4"/>
+          </p15:clr>
+        </p15:guide>
+      </p15:sldGuideLst>
+    </p:ext>
+  </p:extLst>
 </p:presentation>
 </file>
 
@@ -1005,7 +1021,7 @@
         <p:spPr/>
         <p:txBody>
           <a:bodyPr>
-            <a:normAutofit/>
+            <a:normAutofit fontScale="25000" lnSpcReduction="20000"/>
           </a:bodyPr>
           <a:lstStyle/>
           <a:p>
@@ -4264,7 +4280,7 @@
               <a:pPr>
                 <a:defRPr/>
               </a:pPr>
-              <a:t>2013-08-14</a:t>
+              <a:t>2019-04-28</a:t>
             </a:fld>
             <a:endParaRPr lang="sv-SE"/>
           </a:p>
@@ -5713,7 +5729,7 @@
                 </a:solidFill>
               </a:rPr>
               <a:pPr/>
-              <a:t>2013-08-14</a:t>
+              <a:t>2019-04-28</a:t>
             </a:fld>
             <a:endParaRPr lang="sv-SE">
               <a:solidFill>
@@ -8341,7 +8357,7 @@
                 <a:cs typeface="+mn-cs"/>
               </a:rPr>
               <a:pPr/>
-              <a:t>2013-08-14</a:t>
+              <a:t>2019-04-28</a:t>
             </a:fld>
             <a:endParaRPr lang="sv-SE">
               <a:solidFill>
@@ -9662,14 +9678,7 @@
                   <a:latin typeface="Arial" pitchFamily="34" charset="0"/>
                   <a:cs typeface="Arial" pitchFamily="34" charset="0"/>
                 </a:rPr>
-                <a:t>Delivering</a:t>
-              </a:r>
-              <a:r>
-                <a:rPr lang="en-US" sz="700" dirty="0" smtClean="0">
-                  <a:latin typeface="Arial" pitchFamily="34" charset="0"/>
-                  <a:cs typeface="Arial" pitchFamily="34" charset="0"/>
-                </a:rPr>
-                <a:t> </a:t>
+                <a:t>Delivering </a:t>
               </a:r>
               <a:r>
                 <a:rPr lang="en-US" sz="700" b="1" dirty="0" smtClean="0">
@@ -21478,19 +21487,11 @@
               <a:p>
                 <a:r>
                   <a:rPr lang="zh-CN" altLang="en-US" sz="800" dirty="0" smtClean="0"/>
-                  <a:t>具</a:t>
-                </a:r>
-                <a:r>
-                  <a:rPr lang="zh-CN" altLang="en-US" sz="800" dirty="0" smtClean="0"/>
-                  <a:t>有</a:t>
+                  <a:t>具有</a:t>
                 </a:r>
                 <a:r>
                   <a:rPr lang="zh-CN" altLang="en-US" sz="800" b="1" dirty="0" smtClean="0"/>
-                  <a:t>完</a:t>
-                </a:r>
-                <a:r>
-                  <a:rPr lang="zh-CN" altLang="en-US" sz="800" b="1" dirty="0" smtClean="0"/>
-                  <a:t>成的定义</a:t>
+                  <a:t>完成的定义</a:t>
                 </a:r>
                 <a:r>
                   <a:rPr lang="en-US" altLang="zh-CN" sz="800" b="1" dirty="0" smtClean="0"/>
@@ -27041,14 +27042,7 @@
                 <a:latin typeface="Arial" pitchFamily="34" charset="0"/>
                 <a:cs typeface="Arial" pitchFamily="34" charset="0"/>
               </a:rPr>
-              <a:t>如果你做到了这些，就可以忽略检查清单的其他部分。你的过程还不</a:t>
-            </a:r>
-            <a:r>
-              <a:rPr lang="zh-CN" altLang="en-US" sz="700" dirty="0" smtClean="0">
-                <a:latin typeface="Arial" pitchFamily="34" charset="0"/>
-                <a:cs typeface="Arial" pitchFamily="34" charset="0"/>
-              </a:rPr>
-              <a:t>错</a:t>
+              <a:t>如果你做到了这些，就可以忽略检查清单的其他部分。你的过程还不错</a:t>
             </a:r>
             <a:endParaRPr lang="sv-SE" sz="700" dirty="0">
               <a:latin typeface="Arial" pitchFamily="34" charset="0"/>
@@ -28010,11 +28004,7 @@
             <a:p>
               <a:r>
                 <a:rPr lang="zh-CN" altLang="en-US" sz="800" dirty="0" smtClean="0"/>
-                <a:t>团</a:t>
-              </a:r>
-              <a:r>
-                <a:rPr lang="zh-CN" altLang="en-US" sz="800" dirty="0" smtClean="0"/>
-                <a:t>队具备完成待办项的</a:t>
+                <a:t>团队具备完成待办项的</a:t>
               </a:r>
               <a:r>
                 <a:rPr lang="zh-CN" altLang="en-US" sz="800" b="1" dirty="0" smtClean="0"/>
@@ -32499,7 +32489,7 @@
         </p:blipFill>
         <p:spPr bwMode="auto">
           <a:xfrm>
-            <a:off x="6524636" y="500042"/>
+            <a:off x="5430140" y="549602"/>
             <a:ext cx="386956" cy="362186"/>
           </a:xfrm>
           <a:prstGeom prst="rect">
@@ -32555,7 +32545,7 @@
         </p:nvSpPr>
         <p:spPr>
           <a:xfrm>
-            <a:off x="6738950" y="-40845"/>
+            <a:off x="8390528" y="1235"/>
             <a:ext cx="984824" cy="250610"/>
           </a:xfrm>
           <a:prstGeom prst="rect">
@@ -32601,8 +32591,8 @@
         </p:nvSpPr>
         <p:spPr>
           <a:xfrm>
-            <a:off x="5453066" y="642918"/>
-            <a:ext cx="931742" cy="204443"/>
+            <a:off x="5702465" y="547689"/>
+            <a:ext cx="690695" cy="342943"/>
           </a:xfrm>
           <a:prstGeom prst="rect">
             <a:avLst/>
@@ -32620,7 +32610,7 @@
               </a:tabLst>
             </a:pPr>
             <a:r>
-              <a:rPr lang="sv-SE" sz="900" dirty="0" smtClean="0">
+              <a:rPr lang="sv-SE" sz="900" smtClean="0">
                 <a:solidFill>
                   <a:schemeClr val="tx1">
                     <a:lumMod val="75000"/>
@@ -32629,8 +32619,45 @@
                 <a:latin typeface="Century Gothic" pitchFamily="34" charset="0"/>
                 <a:cs typeface="Arial" pitchFamily="34" charset="0"/>
               </a:rPr>
-              <a:t>Henrik Kniberg</a:t>
-            </a:r>
+              <a:t>Henrik </a:t>
+            </a:r>
+            <a:endParaRPr lang="sv-SE" sz="900" smtClean="0">
+              <a:solidFill>
+                <a:schemeClr val="tx1">
+                  <a:lumMod val="75000"/>
+                </a:schemeClr>
+              </a:solidFill>
+              <a:latin typeface="Century Gothic" pitchFamily="34" charset="0"/>
+              <a:cs typeface="Arial" pitchFamily="34" charset="0"/>
+            </a:endParaRPr>
+          </a:p>
+          <a:p>
+            <a:pPr marL="129252" algn="ctr">
+              <a:tabLst>
+                <a:tab pos="258505" algn="l"/>
+              </a:tabLst>
+            </a:pPr>
+            <a:r>
+              <a:rPr lang="sv-SE" sz="900" dirty="0" err="1" smtClean="0">
+                <a:solidFill>
+                  <a:schemeClr val="tx1">
+                    <a:lumMod val="75000"/>
+                  </a:schemeClr>
+                </a:solidFill>
+                <a:latin typeface="Century Gothic" pitchFamily="34" charset="0"/>
+                <a:cs typeface="Arial" pitchFamily="34" charset="0"/>
+              </a:rPr>
+              <a:t>Kniberg</a:t>
+            </a:r>
+            <a:endParaRPr lang="sv-SE" sz="900" dirty="0" smtClean="0">
+              <a:solidFill>
+                <a:schemeClr val="tx1">
+                  <a:lumMod val="75000"/>
+                </a:schemeClr>
+              </a:solidFill>
+              <a:latin typeface="Century Gothic" pitchFamily="34" charset="0"/>
+              <a:cs typeface="Arial" pitchFamily="34" charset="0"/>
+            </a:endParaRPr>
           </a:p>
         </p:txBody>
       </p:sp>
@@ -33265,7 +33292,7 @@
         </p:nvSpPr>
         <p:spPr>
           <a:xfrm>
-            <a:off x="7000924" y="428604"/>
+            <a:off x="7003218" y="417924"/>
             <a:ext cx="2595546" cy="507811"/>
           </a:xfrm>
           <a:prstGeom prst="rect">
@@ -33286,15 +33313,7 @@
             </a:pPr>
             <a:r>
               <a:rPr lang="zh-CN" altLang="en-US" sz="900" dirty="0" smtClean="0"/>
-              <a:t>                简</a:t>
-            </a:r>
-            <a:r>
-              <a:rPr lang="zh-CN" altLang="en-US" sz="900" dirty="0" smtClean="0"/>
-              <a:t>体中文翻译</a:t>
-            </a:r>
-            <a:r>
-              <a:rPr lang="zh-CN" altLang="en-US" sz="900" dirty="0" smtClean="0"/>
-              <a:t>：</a:t>
+              <a:t>                简体中文翻译：</a:t>
             </a:r>
             <a:endParaRPr lang="en-US" altLang="zh-CN" sz="900" dirty="0" smtClean="0"/>
           </a:p>
@@ -33312,7 +33331,7 @@
               <a:rPr lang="en-US" altLang="zh-CN" sz="900" dirty="0" smtClean="0">
                 <a:hlinkClick r:id="rId4"/>
               </a:rPr>
-              <a:t>JackyShen@ScrumChina.com</a:t>
+              <a:t>JackyShen@UPerform.cn</a:t>
             </a:r>
             <a:endParaRPr lang="en-US" altLang="zh-CN" sz="900" dirty="0" smtClean="0"/>
           </a:p>
@@ -33324,15 +33343,7 @@
             </a:pPr>
             <a:r>
               <a:rPr lang="zh-CN" altLang="en-US" sz="900" dirty="0" smtClean="0"/>
-              <a:t>窦</a:t>
-            </a:r>
-            <a:r>
-              <a:rPr lang="zh-CN" altLang="en-US" sz="900" dirty="0" smtClean="0"/>
-              <a:t>涵</a:t>
-            </a:r>
-            <a:r>
-              <a:rPr lang="zh-CN" altLang="en-US" sz="900" dirty="0" smtClean="0"/>
-              <a:t>之   </a:t>
+              <a:t>窦涵之   </a:t>
             </a:r>
             <a:r>
               <a:rPr lang="en-US" altLang="zh-CN" sz="900" dirty="0" smtClean="0">
@@ -33352,6 +33363,41 @@
           </a:p>
         </p:txBody>
       </p:sp>
+      <p:pic>
+        <p:nvPicPr>
+          <p:cNvPr id="32" name="图片 31"/>
+          <p:cNvPicPr>
+            <a:picLocks noChangeAspect="1"/>
+          </p:cNvPicPr>
+          <p:nvPr/>
+        </p:nvPicPr>
+        <p:blipFill>
+          <a:blip r:embed="rId6">
+            <a:clrChange>
+              <a:clrFrom>
+                <a:srgbClr val="FFFFFF"/>
+              </a:clrFrom>
+              <a:clrTo>
+                <a:srgbClr val="FFFFFF">
+                  <a:alpha val="0"/>
+                </a:srgbClr>
+              </a:clrTo>
+            </a:clrChange>
+          </a:blip>
+          <a:stretch>
+            <a:fillRect/>
+          </a:stretch>
+        </p:blipFill>
+        <p:spPr>
+          <a:xfrm>
+            <a:off x="6445545" y="494447"/>
+            <a:ext cx="907235" cy="413260"/>
+          </a:xfrm>
+          <a:prstGeom prst="rect">
+            <a:avLst/>
+          </a:prstGeom>
+        </p:spPr>
+      </p:pic>
     </p:spTree>
   </p:cSld>
   <p:clrMapOvr>
@@ -33915,15 +33961,7 @@
             </a:pPr>
             <a:r>
               <a:rPr lang="zh-CN" altLang="en-US" sz="1600" b="1" dirty="0" smtClean="0"/>
-              <a:t>这</a:t>
-            </a:r>
-            <a:r>
-              <a:rPr lang="zh-CN" altLang="en-US" sz="1600" b="1" dirty="0" smtClean="0"/>
-              <a:t>是什么？ 给谁用</a:t>
-            </a:r>
-            <a:r>
-              <a:rPr lang="zh-CN" altLang="en-US" sz="1600" b="1" dirty="0" smtClean="0"/>
-              <a:t>？</a:t>
+              <a:t>这是什么？ 给谁用？</a:t>
             </a:r>
             <a:endParaRPr lang="en-US" altLang="zh-CN" sz="1600" b="1" dirty="0" smtClean="0"/>
           </a:p>
@@ -33953,11 +33991,7 @@
             </a:r>
             <a:r>
               <a:rPr lang="zh-CN" altLang="en-US" sz="1400" dirty="0" smtClean="0"/>
-              <a:t>实施状况</a:t>
-            </a:r>
-            <a:r>
-              <a:rPr lang="zh-CN" altLang="en-US" sz="1400" dirty="0" smtClean="0"/>
-              <a:t>。</a:t>
+              <a:t>实施状况。</a:t>
             </a:r>
             <a:endParaRPr lang="en-US" altLang="zh-CN" sz="1400" dirty="0" smtClean="0"/>
           </a:p>
@@ -34274,15 +34308,7 @@
             </a:pPr>
             <a:r>
               <a:rPr lang="zh-CN" altLang="en-US" sz="1600" b="1" dirty="0" smtClean="0"/>
-              <a:t>什</a:t>
-            </a:r>
-            <a:r>
-              <a:rPr lang="zh-CN" altLang="en-US" sz="1600" b="1" dirty="0" smtClean="0"/>
-              <a:t>么情况下不该使用</a:t>
-            </a:r>
-            <a:r>
-              <a:rPr lang="zh-CN" altLang="en-US" sz="1600" b="1" dirty="0" smtClean="0"/>
-              <a:t>？</a:t>
+              <a:t>什么情况下不该使用？</a:t>
             </a:r>
             <a:endParaRPr lang="sv-SE" sz="1600" b="1" dirty="0" smtClean="0"/>
           </a:p>
@@ -34394,11 +34420,7 @@
             </a:r>
             <a:r>
               <a:rPr lang="zh-CN" altLang="en-US" sz="1400" dirty="0" smtClean="0"/>
-              <a:t>警察过来</a:t>
-            </a:r>
-            <a:r>
-              <a:rPr lang="zh-CN" altLang="en-US" sz="1400" dirty="0" smtClean="0"/>
-              <a:t>。”</a:t>
+              <a:t>警察过来。”</a:t>
             </a:r>
             <a:endParaRPr lang="en-US" altLang="zh-CN" sz="1400" dirty="0" smtClean="0"/>
           </a:p>
@@ -34416,11 +34438,7 @@
             </a:pPr>
             <a:r>
               <a:rPr lang="zh-CN" altLang="en-US" sz="1600" b="1" dirty="0" smtClean="0"/>
-              <a:t>这是官方的检查清单吗</a:t>
-            </a:r>
-            <a:r>
-              <a:rPr lang="zh-CN" altLang="en-US" sz="1600" b="1" dirty="0" smtClean="0"/>
-              <a:t>？</a:t>
+              <a:t>这是官方的检查清单吗？</a:t>
             </a:r>
             <a:endParaRPr lang="sv-SE" sz="1600" b="1" dirty="0" smtClean="0"/>
           </a:p>
@@ -34649,8 +34667,8 @@
         </p:nvSpPr>
         <p:spPr>
           <a:xfrm>
-            <a:off x="3707813" y="268883"/>
-            <a:ext cx="2049540" cy="276979"/>
+            <a:off x="3584848" y="268883"/>
+            <a:ext cx="5370849" cy="276979"/>
           </a:xfrm>
           <a:prstGeom prst="rect">
             <a:avLst/>
@@ -34672,16 +34690,136 @@
               </a:spcAft>
             </a:pPr>
             <a:r>
-              <a:rPr lang="sv-SE" smtClean="0">
+              <a:rPr lang="sv-SE" dirty="0" err="1" smtClean="0">
                 <a:solidFill>
                   <a:schemeClr val="tx1"/>
                 </a:solidFill>
                 <a:latin typeface="Calibri"/>
                 <a:cs typeface="+mn-cs"/>
               </a:rPr>
-              <a:t>www.crisp.se/scrum/checklist</a:t>
-            </a:r>
-            <a:endParaRPr lang="sv-SE">
+              <a:t>www.crisp.se</a:t>
+            </a:r>
+            <a:r>
+              <a:rPr lang="sv-SE" dirty="0" smtClean="0">
+                <a:solidFill>
+                  <a:schemeClr val="tx1"/>
+                </a:solidFill>
+                <a:latin typeface="Calibri"/>
+                <a:cs typeface="+mn-cs"/>
+              </a:rPr>
+              <a:t>/</a:t>
+            </a:r>
+            <a:r>
+              <a:rPr lang="sv-SE" dirty="0" err="1" smtClean="0">
+                <a:solidFill>
+                  <a:schemeClr val="tx1"/>
+                </a:solidFill>
+                <a:latin typeface="Calibri"/>
+                <a:cs typeface="+mn-cs"/>
+              </a:rPr>
+              <a:t>scrum</a:t>
+            </a:r>
+            <a:r>
+              <a:rPr lang="sv-SE" dirty="0" smtClean="0">
+                <a:solidFill>
+                  <a:schemeClr val="tx1"/>
+                </a:solidFill>
+                <a:latin typeface="Calibri"/>
+                <a:cs typeface="+mn-cs"/>
+              </a:rPr>
+              <a:t>/</a:t>
+            </a:r>
+            <a:r>
+              <a:rPr lang="sv-SE" dirty="0" err="1" smtClean="0">
+                <a:solidFill>
+                  <a:schemeClr val="tx1"/>
+                </a:solidFill>
+                <a:latin typeface="Calibri"/>
+                <a:cs typeface="+mn-cs"/>
+              </a:rPr>
+              <a:t>checklist</a:t>
+            </a:r>
+            <a:r>
+              <a:rPr lang="en-US" altLang="zh-CN" dirty="0" smtClean="0">
+                <a:solidFill>
+                  <a:schemeClr val="tx1"/>
+                </a:solidFill>
+                <a:latin typeface="Calibri"/>
+                <a:cs typeface="+mn-cs"/>
+              </a:rPr>
+              <a:t>,</a:t>
+            </a:r>
+            <a:r>
+              <a:rPr lang="zh-CN" altLang="en-US" dirty="0" smtClean="0">
+                <a:solidFill>
+                  <a:schemeClr val="tx1"/>
+                </a:solidFill>
+                <a:latin typeface="Calibri"/>
+                <a:cs typeface="+mn-cs"/>
+              </a:rPr>
+              <a:t>    </a:t>
+            </a:r>
+            <a:r>
+              <a:rPr lang="en-US" altLang="zh-CN" dirty="0" err="1" smtClean="0">
+                <a:solidFill>
+                  <a:schemeClr val="tx1"/>
+                </a:solidFill>
+                <a:latin typeface="Calibri"/>
+                <a:cs typeface="+mn-cs"/>
+              </a:rPr>
+              <a:t>www.uperform.cn</a:t>
+            </a:r>
+            <a:r>
+              <a:rPr lang="en-US" altLang="zh-CN" dirty="0" smtClean="0">
+                <a:solidFill>
+                  <a:schemeClr val="tx1"/>
+                </a:solidFill>
+                <a:latin typeface="Calibri"/>
+                <a:cs typeface="+mn-cs"/>
+              </a:rPr>
+              <a:t>/scrum-checklist-</a:t>
+            </a:r>
+            <a:r>
+              <a:rPr lang="en-US" altLang="zh-CN" dirty="0" err="1" smtClean="0">
+                <a:solidFill>
+                  <a:schemeClr val="tx1"/>
+                </a:solidFill>
+                <a:latin typeface="Calibri"/>
+                <a:cs typeface="+mn-cs"/>
+              </a:rPr>
+              <a:t>henrik</a:t>
+            </a:r>
+            <a:r>
+              <a:rPr lang="en-US" altLang="zh-CN" dirty="0" smtClean="0">
+                <a:solidFill>
+                  <a:schemeClr val="tx1"/>
+                </a:solidFill>
+                <a:latin typeface="Calibri"/>
+                <a:cs typeface="+mn-cs"/>
+              </a:rPr>
+              <a:t>-</a:t>
+            </a:r>
+            <a:r>
+              <a:rPr lang="en-US" altLang="zh-CN" dirty="0" err="1" smtClean="0">
+                <a:solidFill>
+                  <a:schemeClr val="tx1"/>
+                </a:solidFill>
+                <a:latin typeface="Calibri"/>
+                <a:cs typeface="+mn-cs"/>
+              </a:rPr>
+              <a:t>kniberg</a:t>
+            </a:r>
+            <a:r>
+              <a:rPr lang="en-US" altLang="zh-CN" dirty="0">
+                <a:solidFill>
+                  <a:schemeClr val="tx1"/>
+                </a:solidFill>
+                <a:latin typeface="Calibri"/>
+                <a:cs typeface="+mn-cs"/>
+              </a:rPr>
+              <a:t>/</a:t>
+            </a:r>
+            <a:endParaRPr lang="sv-SE" dirty="0">
               <a:solidFill>
                 <a:schemeClr val="tx1"/>
               </a:solidFill>
@@ -34720,11 +34858,7 @@
             </a:pPr>
             <a:r>
               <a:rPr lang="zh-CN" altLang="en-US" dirty="0" smtClean="0"/>
-              <a:t>简体中文翻译</a:t>
-            </a:r>
-            <a:r>
-              <a:rPr lang="zh-CN" altLang="en-US" dirty="0" smtClean="0"/>
-              <a:t>：</a:t>
+              <a:t>简体中文翻译：</a:t>
             </a:r>
             <a:endParaRPr lang="en-US" altLang="zh-CN" dirty="0" smtClean="0"/>
           </a:p>
@@ -34742,7 +34876,7 @@
               <a:rPr lang="en-US" altLang="zh-CN" dirty="0" smtClean="0">
                 <a:hlinkClick r:id="rId4"/>
               </a:rPr>
-              <a:t>JackyShen@ScrumChina.com</a:t>
+              <a:t>JackyShen@UPerform.cn</a:t>
             </a:r>
             <a:endParaRPr lang="en-US" altLang="zh-CN" dirty="0" smtClean="0"/>
           </a:p>
@@ -34754,15 +34888,7 @@
             </a:pPr>
             <a:r>
               <a:rPr lang="zh-CN" altLang="en-US" dirty="0" smtClean="0"/>
-              <a:t>窦</a:t>
-            </a:r>
-            <a:r>
-              <a:rPr lang="zh-CN" altLang="en-US" dirty="0" smtClean="0"/>
-              <a:t>涵</a:t>
-            </a:r>
-            <a:r>
-              <a:rPr lang="zh-CN" altLang="en-US" dirty="0" smtClean="0"/>
-              <a:t>之   </a:t>
+              <a:t>窦涵之   </a:t>
             </a:r>
             <a:r>
               <a:rPr lang="en-US" altLang="zh-CN" dirty="0" smtClean="0">
@@ -34790,6 +34916,41 @@
           </a:p>
         </p:txBody>
       </p:sp>
+      <p:pic>
+        <p:nvPicPr>
+          <p:cNvPr id="13" name="图片 12"/>
+          <p:cNvPicPr>
+            <a:picLocks noChangeAspect="1"/>
+          </p:cNvPicPr>
+          <p:nvPr/>
+        </p:nvPicPr>
+        <p:blipFill>
+          <a:blip r:embed="rId6">
+            <a:clrChange>
+              <a:clrFrom>
+                <a:srgbClr val="FFFFFF"/>
+              </a:clrFrom>
+              <a:clrTo>
+                <a:srgbClr val="FFFFFF">
+                  <a:alpha val="0"/>
+                </a:srgbClr>
+              </a:clrTo>
+            </a:clrChange>
+          </a:blip>
+          <a:stretch>
+            <a:fillRect/>
+          </a:stretch>
+        </p:blipFill>
+        <p:spPr>
+          <a:xfrm>
+            <a:off x="6033120" y="6165304"/>
+            <a:ext cx="907235" cy="413260"/>
+          </a:xfrm>
+          <a:prstGeom prst="rect">
+            <a:avLst/>
+          </a:prstGeom>
+        </p:spPr>
+      </p:pic>
     </p:spTree>
   </p:cSld>
   <p:clrMapOvr>
